--- a/projects-for-the-practical-exam/titanic/presentation.pptx
+++ b/projects-for-the-practical-exam/titanic/presentation.pptx
@@ -5,7 +5,7 @@
     <p:sldMasterId id="2147483862" r:id="rId1"/>
   </p:sldMasterIdLst>
   <p:notesMasterIdLst>
-    <p:notesMasterId r:id="rId28"/>
+    <p:notesMasterId r:id="rId27"/>
   </p:notesMasterIdLst>
   <p:sldIdLst>
     <p:sldId id="262" r:id="rId2"/>
@@ -33,7 +33,6 @@
     <p:sldId id="275" r:id="rId24"/>
     <p:sldId id="279" r:id="rId25"/>
     <p:sldId id="280" r:id="rId26"/>
-    <p:sldId id="281" r:id="rId27"/>
   </p:sldIdLst>
   <p:sldSz cx="12192000" cy="6858000"/>
   <p:notesSz cx="6858000" cy="9144000"/>
@@ -6248,7 +6247,7 @@
           <a:p>
             <a:fld id="{2A4A9800-5339-4724-9091-C84BEA1AA2F7}" type="datetimeFigureOut">
               <a:rPr lang="en-GB" smtClean="0"/>
-              <a:t>29/12/2021</a:t>
+              <a:t>04/01/2022</a:t>
             </a:fld>
             <a:endParaRPr lang="en-GB"/>
           </a:p>
@@ -7079,7 +7078,7 @@
           <a:p>
             <a:fld id="{02AC24A9-CCB6-4F8D-B8DB-C2F3692CFA5A}" type="datetimeFigureOut">
               <a:rPr lang="en-US" smtClean="0"/>
-              <a:t>12/29/2021</a:t>
+              <a:t>1/4/2022</a:t>
             </a:fld>
             <a:endParaRPr lang="en-US" dirty="0"/>
           </a:p>
@@ -7377,7 +7376,7 @@
           <a:p>
             <a:fld id="{02AC24A9-CCB6-4F8D-B8DB-C2F3692CFA5A}" type="datetimeFigureOut">
               <a:rPr lang="en-US" smtClean="0"/>
-              <a:t>12/29/2021</a:t>
+              <a:t>1/4/2022</a:t>
             </a:fld>
             <a:endParaRPr lang="en-US"/>
           </a:p>
@@ -7569,7 +7568,7 @@
           <a:p>
             <a:fld id="{02AC24A9-CCB6-4F8D-B8DB-C2F3692CFA5A}" type="datetimeFigureOut">
               <a:rPr lang="en-US" smtClean="0"/>
-              <a:t>12/29/2021</a:t>
+              <a:t>1/4/2022</a:t>
             </a:fld>
             <a:endParaRPr lang="en-US"/>
           </a:p>
@@ -7830,7 +7829,7 @@
           <a:p>
             <a:fld id="{02AC24A9-CCB6-4F8D-B8DB-C2F3692CFA5A}" type="datetimeFigureOut">
               <a:rPr lang="en-US" smtClean="0"/>
-              <a:t>12/29/2021</a:t>
+              <a:t>1/4/2022</a:t>
             </a:fld>
             <a:endParaRPr lang="en-US"/>
           </a:p>
@@ -8254,7 +8253,7 @@
           <a:p>
             <a:fld id="{02AC24A9-CCB6-4F8D-B8DB-C2F3692CFA5A}" type="datetimeFigureOut">
               <a:rPr lang="en-US" smtClean="0"/>
-              <a:t>12/29/2021</a:t>
+              <a:t>1/4/2022</a:t>
             </a:fld>
             <a:endParaRPr lang="en-US"/>
           </a:p>
@@ -8791,7 +8790,7 @@
           <a:p>
             <a:fld id="{02AC24A9-CCB6-4F8D-B8DB-C2F3692CFA5A}" type="datetimeFigureOut">
               <a:rPr lang="en-US" smtClean="0"/>
-              <a:t>12/29/2021</a:t>
+              <a:t>1/4/2022</a:t>
             </a:fld>
             <a:endParaRPr lang="en-US"/>
           </a:p>
@@ -9655,7 +9654,7 @@
           <a:p>
             <a:fld id="{02AC24A9-CCB6-4F8D-B8DB-C2F3692CFA5A}" type="datetimeFigureOut">
               <a:rPr lang="en-US" smtClean="0"/>
-              <a:t>12/29/2021</a:t>
+              <a:t>1/4/2022</a:t>
             </a:fld>
             <a:endParaRPr lang="en-US"/>
           </a:p>
@@ -9825,7 +9824,7 @@
           <a:p>
             <a:fld id="{02AC24A9-CCB6-4F8D-B8DB-C2F3692CFA5A}" type="datetimeFigureOut">
               <a:rPr lang="en-US" smtClean="0"/>
-              <a:t>12/29/2021</a:t>
+              <a:t>1/4/2022</a:t>
             </a:fld>
             <a:endParaRPr lang="en-US"/>
           </a:p>
@@ -10009,7 +10008,7 @@
           <a:p>
             <a:fld id="{02AC24A9-CCB6-4F8D-B8DB-C2F3692CFA5A}" type="datetimeFigureOut">
               <a:rPr lang="en-US" smtClean="0"/>
-              <a:t>12/29/2021</a:t>
+              <a:t>1/4/2022</a:t>
             </a:fld>
             <a:endParaRPr lang="en-US"/>
           </a:p>
@@ -10179,7 +10178,7 @@
           <a:p>
             <a:fld id="{02AC24A9-CCB6-4F8D-B8DB-C2F3692CFA5A}" type="datetimeFigureOut">
               <a:rPr lang="en-US" smtClean="0"/>
-              <a:t>12/29/2021</a:t>
+              <a:t>1/4/2022</a:t>
             </a:fld>
             <a:endParaRPr lang="en-US"/>
           </a:p>
@@ -10423,7 +10422,7 @@
           <a:p>
             <a:fld id="{02AC24A9-CCB6-4F8D-B8DB-C2F3692CFA5A}" type="datetimeFigureOut">
               <a:rPr lang="en-US" smtClean="0"/>
-              <a:t>12/29/2021</a:t>
+              <a:t>1/4/2022</a:t>
             </a:fld>
             <a:endParaRPr lang="en-US"/>
           </a:p>
@@ -10659,7 +10658,7 @@
           <a:p>
             <a:fld id="{02AC24A9-CCB6-4F8D-B8DB-C2F3692CFA5A}" type="datetimeFigureOut">
               <a:rPr lang="en-US" smtClean="0"/>
-              <a:t>12/29/2021</a:t>
+              <a:t>1/4/2022</a:t>
             </a:fld>
             <a:endParaRPr lang="en-US"/>
           </a:p>
@@ -11125,7 +11124,7 @@
           <a:p>
             <a:fld id="{02AC24A9-CCB6-4F8D-B8DB-C2F3692CFA5A}" type="datetimeFigureOut">
               <a:rPr lang="en-US" smtClean="0"/>
-              <a:t>12/29/2021</a:t>
+              <a:t>1/4/2022</a:t>
             </a:fld>
             <a:endParaRPr lang="en-US"/>
           </a:p>
@@ -11243,7 +11242,7 @@
           <a:p>
             <a:fld id="{02AC24A9-CCB6-4F8D-B8DB-C2F3692CFA5A}" type="datetimeFigureOut">
               <a:rPr lang="en-US" smtClean="0"/>
-              <a:t>12/29/2021</a:t>
+              <a:t>1/4/2022</a:t>
             </a:fld>
             <a:endParaRPr lang="en-US"/>
           </a:p>
@@ -11338,7 +11337,7 @@
           <a:p>
             <a:fld id="{02AC24A9-CCB6-4F8D-B8DB-C2F3692CFA5A}" type="datetimeFigureOut">
               <a:rPr lang="en-US" smtClean="0"/>
-              <a:t>12/29/2021</a:t>
+              <a:t>1/4/2022</a:t>
             </a:fld>
             <a:endParaRPr lang="en-US"/>
           </a:p>
@@ -11593,7 +11592,7 @@
           <a:p>
             <a:fld id="{02AC24A9-CCB6-4F8D-B8DB-C2F3692CFA5A}" type="datetimeFigureOut">
               <a:rPr lang="en-US" smtClean="0"/>
-              <a:t>12/29/2021</a:t>
+              <a:t>1/4/2022</a:t>
             </a:fld>
             <a:endParaRPr lang="en-US" dirty="0"/>
           </a:p>
@@ -11893,7 +11892,7 @@
           <a:p>
             <a:fld id="{02AC24A9-CCB6-4F8D-B8DB-C2F3692CFA5A}" type="datetimeFigureOut">
               <a:rPr lang="en-US" smtClean="0"/>
-              <a:t>12/29/2021</a:t>
+              <a:t>1/4/2022</a:t>
             </a:fld>
             <a:endParaRPr lang="en-US"/>
           </a:p>
@@ -12127,7 +12126,7 @@
           <a:p>
             <a:fld id="{02AC24A9-CCB6-4F8D-B8DB-C2F3692CFA5A}" type="datetimeFigureOut">
               <a:rPr lang="en-US" smtClean="0"/>
-              <a:t>12/29/2021</a:t>
+              <a:t>1/4/2022</a:t>
             </a:fld>
             <a:endParaRPr lang="en-US"/>
           </a:p>
@@ -12866,7 +12865,7 @@
           </a:effectLst>
           <a:extLst>
             <a:ext uri="{91240B29-F687-4f45-9708-019B960494DF}">
-              <a14:hiddenLine xmlns="" xmlns:a16="http://schemas.microsoft.com/office/drawing/2014/main" xmlns:p14="http://schemas.microsoft.com/office/powerpoint/2010/main" xmlns:a14="http://schemas.microsoft.com/office/drawing/2010/main" w="9525">
+              <a14:hiddenLine xmlns:a14="http://schemas.microsoft.com/office/drawing/2010/main" xmlns:p14="http://schemas.microsoft.com/office/powerpoint/2010/main" xmlns:a16="http://schemas.microsoft.com/office/drawing/2014/main" xmlns="" w="9525">
                 <a:solidFill>
                   <a:srgbClr val="000000"/>
                 </a:solidFill>
@@ -17652,90 +17651,6 @@
     <p:extLst>
       <p:ext uri="{BB962C8B-B14F-4D97-AF65-F5344CB8AC3E}">
         <p14:creationId xmlns:p14="http://schemas.microsoft.com/office/powerpoint/2010/main" val="4222576068"/>
-      </p:ext>
-    </p:extLst>
-  </p:cSld>
-  <p:clrMapOvr>
-    <a:masterClrMapping/>
-  </p:clrMapOvr>
-</p:sld>
-</file>
-
-<file path=ppt/slides/slide26.xml><?xml version="1.0" encoding="utf-8"?>
-<p:sld xmlns:a="http://schemas.openxmlformats.org/drawingml/2006/main" xmlns:r="http://schemas.openxmlformats.org/officeDocument/2006/relationships" xmlns:p="http://schemas.openxmlformats.org/presentationml/2006/main">
-  <p:cSld>
-    <p:spTree>
-      <p:nvGrpSpPr>
-        <p:cNvPr id="1" name=""/>
-        <p:cNvGrpSpPr/>
-        <p:nvPr/>
-      </p:nvGrpSpPr>
-      <p:grpSpPr>
-        <a:xfrm>
-          <a:off x="0" y="0"/>
-          <a:ext cx="0" cy="0"/>
-          <a:chOff x="0" y="0"/>
-          <a:chExt cx="0" cy="0"/>
-        </a:xfrm>
-      </p:grpSpPr>
-      <p:sp>
-        <p:nvSpPr>
-          <p:cNvPr id="2" name="Title 1">
-            <a:extLst>
-              <a:ext uri="{FF2B5EF4-FFF2-40B4-BE49-F238E27FC236}">
-                <a16:creationId xmlns:a16="http://schemas.microsoft.com/office/drawing/2014/main" id="{41D5CF32-C0F5-4216-ACFD-A59768F586EF}"/>
-              </a:ext>
-            </a:extLst>
-          </p:cNvPr>
-          <p:cNvSpPr>
-            <a:spLocks noGrp="1"/>
-          </p:cNvSpPr>
-          <p:nvPr>
-            <p:ph type="title"/>
-          </p:nvPr>
-        </p:nvSpPr>
-        <p:spPr/>
-        <p:txBody>
-          <a:bodyPr/>
-          <a:lstStyle/>
-          <a:p>
-            <a:r>
-              <a:rPr lang="en-US" dirty="0"/>
-              <a:t>Comparing the Methods</a:t>
-            </a:r>
-            <a:endParaRPr lang="en-GB" dirty="0"/>
-          </a:p>
-        </p:txBody>
-      </p:sp>
-      <p:sp>
-        <p:nvSpPr>
-          <p:cNvPr id="3" name="Content Placeholder 2">
-            <a:extLst>
-              <a:ext uri="{FF2B5EF4-FFF2-40B4-BE49-F238E27FC236}">
-                <a16:creationId xmlns:a16="http://schemas.microsoft.com/office/drawing/2014/main" id="{BD665F85-6EDA-486D-9631-0C9B4C7BC469}"/>
-              </a:ext>
-            </a:extLst>
-          </p:cNvPr>
-          <p:cNvSpPr>
-            <a:spLocks noGrp="1"/>
-          </p:cNvSpPr>
-          <p:nvPr>
-            <p:ph idx="1"/>
-          </p:nvPr>
-        </p:nvSpPr>
-        <p:spPr/>
-        <p:txBody>
-          <a:bodyPr/>
-          <a:lstStyle/>
-          <a:p>
-            <a:endParaRPr lang="en-GB" dirty="0"/>
-          </a:p>
-        </p:txBody>
-      </p:sp>
-    </p:spTree>
-    <p:extLst>
-      <p:ext uri="{BB962C8B-B14F-4D97-AF65-F5344CB8AC3E}">
-        <p14:creationId xmlns:p14="http://schemas.microsoft.com/office/powerpoint/2010/main" val="625439533"/>
       </p:ext>
     </p:extLst>
   </p:cSld>

--- a/projects-for-the-practical-exam/titanic/presentation.pptx
+++ b/projects-for-the-practical-exam/titanic/presentation.pptx
@@ -1698,7 +1698,7 @@
         <a:lstStyle/>
         <a:p>
           <a:r>
-            <a:rPr lang="en-US"/>
+            <a:rPr lang="en-US" dirty="0"/>
             <a:t>Data Loading</a:t>
           </a:r>
         </a:p>
@@ -1734,7 +1734,7 @@
         <a:lstStyle/>
         <a:p>
           <a:r>
-            <a:rPr lang="en-US"/>
+            <a:rPr lang="en-US" dirty="0"/>
             <a:t>Data Cleaning</a:t>
           </a:r>
         </a:p>
@@ -2583,7 +2583,7 @@
             <a:buChar char="•"/>
           </a:pPr>
           <a:r>
-            <a:rPr lang="en-US" sz="1800" kern="1200"/>
+            <a:rPr lang="en-US" sz="1800" kern="1200" dirty="0"/>
             <a:t>Data Loading</a:t>
           </a:r>
         </a:p>
@@ -2601,7 +2601,7 @@
             <a:buChar char="•"/>
           </a:pPr>
           <a:r>
-            <a:rPr lang="en-US" sz="1800" kern="1200"/>
+            <a:rPr lang="en-US" sz="1800" kern="1200" dirty="0"/>
             <a:t>Data Cleaning</a:t>
           </a:r>
         </a:p>
@@ -12865,7 +12865,7 @@
           </a:effectLst>
           <a:extLst>
             <a:ext uri="{91240B29-F687-4f45-9708-019B960494DF}">
-              <a14:hiddenLine xmlns:a14="http://schemas.microsoft.com/office/drawing/2010/main" xmlns:p14="http://schemas.microsoft.com/office/powerpoint/2010/main" xmlns:a16="http://schemas.microsoft.com/office/drawing/2014/main" xmlns="" w="9525">
+              <a14:hiddenLine xmlns="" xmlns:a16="http://schemas.microsoft.com/office/drawing/2014/main" xmlns:p14="http://schemas.microsoft.com/office/powerpoint/2010/main" xmlns:a14="http://schemas.microsoft.com/office/drawing/2010/main" w="9525">
                 <a:solidFill>
                   <a:srgbClr val="000000"/>
                 </a:solidFill>
@@ -14844,7 +14844,7 @@
           <a:lstStyle/>
           <a:p>
             <a:r>
-              <a:rPr lang="en-US"/>
+              <a:rPr lang="en-US" dirty="0"/>
               <a:t>Exploratory Data Analysis (EDA)</a:t>
             </a:r>
             <a:endParaRPr lang="en-GB" dirty="0"/>
@@ -15080,7 +15080,7 @@
               <a:buNone/>
             </a:pPr>
             <a:r>
-              <a:rPr lang="en-US" sz="1800" dirty="0">
+              <a:rPr lang="en-US" dirty="0">
                 <a:ln>
                   <a:solidFill>
                     <a:srgbClr val="404040">
@@ -15094,7 +15094,7 @@
               </a:rPr>
               <a:t>The ages of the passengers, either survived or not, seem to follow some kind of normal distribution.</a:t>
             </a:r>
-            <a:endParaRPr lang="en-GB" sz="1800" dirty="0">
+            <a:endParaRPr lang="en-GB" dirty="0">
               <a:ln>
                 <a:solidFill>
                   <a:srgbClr val="404040">
@@ -16708,28 +16708,28 @@
               <a:t>	</a:t>
             </a:r>
             <a:r>
-              <a:rPr lang="en-GB" dirty="0" err="1">
+              <a:rPr lang="en-GB" b="1" dirty="0" err="1">
                 <a:latin typeface="Courier New" panose="02070309020205020404" pitchFamily="49" charset="0"/>
                 <a:cs typeface="Courier New" panose="02070309020205020404" pitchFamily="49" charset="0"/>
               </a:rPr>
               <a:t>X_train</a:t>
             </a:r>
             <a:r>
-              <a:rPr lang="en-GB" dirty="0">
+              <a:rPr lang="en-GB" b="1" dirty="0">
                 <a:latin typeface="Courier New" panose="02070309020205020404" pitchFamily="49" charset="0"/>
                 <a:cs typeface="Courier New" panose="02070309020205020404" pitchFamily="49" charset="0"/>
               </a:rPr>
               <a:t> = </a:t>
             </a:r>
             <a:r>
-              <a:rPr lang="en-GB" dirty="0" err="1">
+              <a:rPr lang="en-GB" b="1" dirty="0" err="1">
                 <a:latin typeface="Courier New" panose="02070309020205020404" pitchFamily="49" charset="0"/>
                 <a:cs typeface="Courier New" panose="02070309020205020404" pitchFamily="49" charset="0"/>
               </a:rPr>
               <a:t>df_train.drop</a:t>
             </a:r>
             <a:r>
-              <a:rPr lang="en-GB" dirty="0">
+              <a:rPr lang="en-GB" b="1" dirty="0">
                 <a:latin typeface="Courier New" panose="02070309020205020404" pitchFamily="49" charset="0"/>
                 <a:cs typeface="Courier New" panose="02070309020205020404" pitchFamily="49" charset="0"/>
               </a:rPr>
@@ -16741,35 +16741,35 @@
               <a:buNone/>
             </a:pPr>
             <a:r>
-              <a:rPr lang="en-GB" dirty="0">
+              <a:rPr lang="en-GB" b="1" dirty="0">
                 <a:latin typeface="Courier New" panose="02070309020205020404" pitchFamily="49" charset="0"/>
                 <a:cs typeface="Courier New" panose="02070309020205020404" pitchFamily="49" charset="0"/>
               </a:rPr>
               <a:t>	</a:t>
             </a:r>
             <a:r>
-              <a:rPr lang="en-GB" dirty="0" err="1">
+              <a:rPr lang="en-GB" b="1" dirty="0" err="1">
                 <a:latin typeface="Courier New" panose="02070309020205020404" pitchFamily="49" charset="0"/>
                 <a:cs typeface="Courier New" panose="02070309020205020404" pitchFamily="49" charset="0"/>
               </a:rPr>
               <a:t>Y_train</a:t>
             </a:r>
             <a:r>
-              <a:rPr lang="en-GB" dirty="0">
+              <a:rPr lang="en-GB" b="1" dirty="0">
                 <a:latin typeface="Courier New" panose="02070309020205020404" pitchFamily="49" charset="0"/>
                 <a:cs typeface="Courier New" panose="02070309020205020404" pitchFamily="49" charset="0"/>
               </a:rPr>
               <a:t> = </a:t>
             </a:r>
             <a:r>
-              <a:rPr lang="en-GB" dirty="0" err="1">
+              <a:rPr lang="en-GB" b="1" dirty="0" err="1">
                 <a:latin typeface="Courier New" panose="02070309020205020404" pitchFamily="49" charset="0"/>
                 <a:cs typeface="Courier New" panose="02070309020205020404" pitchFamily="49" charset="0"/>
               </a:rPr>
               <a:t>df_train</a:t>
             </a:r>
             <a:r>
-              <a:rPr lang="en-GB" dirty="0">
+              <a:rPr lang="en-GB" b="1" dirty="0">
                 <a:latin typeface="Courier New" panose="02070309020205020404" pitchFamily="49" charset="0"/>
                 <a:cs typeface="Courier New" panose="02070309020205020404" pitchFamily="49" charset="0"/>
               </a:rPr>
@@ -16781,35 +16781,35 @@
               <a:buNone/>
             </a:pPr>
             <a:r>
-              <a:rPr lang="en-GB" dirty="0">
+              <a:rPr lang="en-GB" b="1" dirty="0">
                 <a:latin typeface="Courier New" panose="02070309020205020404" pitchFamily="49" charset="0"/>
                 <a:cs typeface="Courier New" panose="02070309020205020404" pitchFamily="49" charset="0"/>
               </a:rPr>
               <a:t>	</a:t>
             </a:r>
             <a:r>
-              <a:rPr lang="en-GB" dirty="0" err="1">
+              <a:rPr lang="en-GB" b="1" dirty="0" err="1">
                 <a:latin typeface="Courier New" panose="02070309020205020404" pitchFamily="49" charset="0"/>
                 <a:cs typeface="Courier New" panose="02070309020205020404" pitchFamily="49" charset="0"/>
               </a:rPr>
               <a:t>X_test</a:t>
             </a:r>
             <a:r>
-              <a:rPr lang="en-GB" dirty="0">
+              <a:rPr lang="en-GB" b="1" dirty="0">
                 <a:latin typeface="Courier New" panose="02070309020205020404" pitchFamily="49" charset="0"/>
                 <a:cs typeface="Courier New" panose="02070309020205020404" pitchFamily="49" charset="0"/>
               </a:rPr>
               <a:t>  = </a:t>
             </a:r>
             <a:r>
-              <a:rPr lang="en-GB" dirty="0" err="1">
+              <a:rPr lang="en-GB" b="1" dirty="0" err="1">
                 <a:latin typeface="Courier New" panose="02070309020205020404" pitchFamily="49" charset="0"/>
                 <a:cs typeface="Courier New" panose="02070309020205020404" pitchFamily="49" charset="0"/>
               </a:rPr>
               <a:t>df_test.copy</a:t>
             </a:r>
             <a:r>
-              <a:rPr lang="en-GB" dirty="0">
+              <a:rPr lang="en-GB" b="1" dirty="0">
                 <a:latin typeface="Courier New" panose="02070309020205020404" pitchFamily="49" charset="0"/>
                 <a:cs typeface="Courier New" panose="02070309020205020404" pitchFamily="49" charset="0"/>
               </a:rPr>
@@ -16821,48 +16821,48 @@
               <a:buNone/>
             </a:pPr>
             <a:r>
-              <a:rPr lang="en-GB" dirty="0">
+              <a:rPr lang="en-GB" b="1" dirty="0">
                 <a:latin typeface="Courier New" panose="02070309020205020404" pitchFamily="49" charset="0"/>
                 <a:cs typeface="Courier New" panose="02070309020205020404" pitchFamily="49" charset="0"/>
               </a:rPr>
               <a:t>	</a:t>
             </a:r>
             <a:r>
-              <a:rPr lang="en-GB" dirty="0" err="1">
+              <a:rPr lang="en-GB" b="1" dirty="0" err="1">
                 <a:latin typeface="Courier New" panose="02070309020205020404" pitchFamily="49" charset="0"/>
                 <a:cs typeface="Courier New" panose="02070309020205020404" pitchFamily="49" charset="0"/>
               </a:rPr>
               <a:t>X_train.shape</a:t>
             </a:r>
             <a:r>
-              <a:rPr lang="en-GB" dirty="0">
+              <a:rPr lang="en-GB" b="1" dirty="0">
                 <a:latin typeface="Courier New" panose="02070309020205020404" pitchFamily="49" charset="0"/>
                 <a:cs typeface="Courier New" panose="02070309020205020404" pitchFamily="49" charset="0"/>
               </a:rPr>
               <a:t>, </a:t>
             </a:r>
             <a:r>
-              <a:rPr lang="en-GB" dirty="0" err="1">
+              <a:rPr lang="en-GB" b="1" dirty="0" err="1">
                 <a:latin typeface="Courier New" panose="02070309020205020404" pitchFamily="49" charset="0"/>
                 <a:cs typeface="Courier New" panose="02070309020205020404" pitchFamily="49" charset="0"/>
               </a:rPr>
               <a:t>Y_train.shape</a:t>
             </a:r>
             <a:r>
-              <a:rPr lang="en-GB" dirty="0">
+              <a:rPr lang="en-GB" b="1" dirty="0">
                 <a:latin typeface="Courier New" panose="02070309020205020404" pitchFamily="49" charset="0"/>
                 <a:cs typeface="Courier New" panose="02070309020205020404" pitchFamily="49" charset="0"/>
               </a:rPr>
               <a:t>, </a:t>
             </a:r>
             <a:r>
-              <a:rPr lang="en-GB" dirty="0" err="1">
+              <a:rPr lang="en-GB" b="1" dirty="0" err="1">
                 <a:latin typeface="Courier New" panose="02070309020205020404" pitchFamily="49" charset="0"/>
                 <a:cs typeface="Courier New" panose="02070309020205020404" pitchFamily="49" charset="0"/>
               </a:rPr>
               <a:t>X_test.shape</a:t>
             </a:r>
-            <a:endParaRPr lang="en-GB" dirty="0">
+            <a:endParaRPr lang="en-GB" b="1" dirty="0">
               <a:latin typeface="Courier New" panose="02070309020205020404" pitchFamily="49" charset="0"/>
               <a:cs typeface="Courier New" panose="02070309020205020404" pitchFamily="49" charset="0"/>
             </a:endParaRPr>
@@ -16962,13 +16962,13 @@
           <a:lstStyle/>
           <a:p>
             <a:r>
-              <a:rPr lang="en-US"/>
+              <a:rPr lang="en-US" dirty="0"/>
               <a:t>For this project, we have chosen three machine learning methods to create our model, namely Decision Tree, Support Vector Machine, and Gaussian Naïve Bayes. We will compare the accuracy of those three models.</a:t>
             </a:r>
           </a:p>
           <a:p>
             <a:r>
-              <a:rPr lang="en-US"/>
+              <a:rPr lang="en-US" dirty="0"/>
               <a:t>For the decision tree, we use this code to train the model using the specified data:</a:t>
             </a:r>
           </a:p>
@@ -16977,73 +16977,251 @@
               <a:buNone/>
             </a:pPr>
             <a:r>
-              <a:rPr lang="en-GB">
+              <a:rPr lang="en-GB" dirty="0">
                 <a:latin typeface="Courier New" panose="02070309020205020404" pitchFamily="49" charset="0"/>
                 <a:cs typeface="Courier New" panose="02070309020205020404" pitchFamily="49" charset="0"/>
               </a:rPr>
-              <a:t>	decision_tree = DecisionTreeClassifier()</a:t>
-            </a:r>
-          </a:p>
-          <a:p>
-            <a:pPr marL="36900" indent="0">
-              <a:buNone/>
-            </a:pPr>
-            <a:r>
-              <a:rPr lang="en-GB">
+              <a:t>	</a:t>
+            </a:r>
+            <a:r>
+              <a:rPr lang="en-GB" b="1" dirty="0" err="1">
                 <a:latin typeface="Courier New" panose="02070309020205020404" pitchFamily="49" charset="0"/>
                 <a:cs typeface="Courier New" panose="02070309020205020404" pitchFamily="49" charset="0"/>
               </a:rPr>
-              <a:t>	decision_tree.fit(X_train, Y_train)</a:t>
-            </a:r>
-          </a:p>
-          <a:p>
-            <a:pPr marL="36900" indent="0">
-              <a:buNone/>
-            </a:pPr>
-            <a:r>
-              <a:rPr lang="en-GB">
+              <a:t>decision_tree</a:t>
+            </a:r>
+            <a:r>
+              <a:rPr lang="en-GB" b="1" dirty="0">
                 <a:latin typeface="Courier New" panose="02070309020205020404" pitchFamily="49" charset="0"/>
                 <a:cs typeface="Courier New" panose="02070309020205020404" pitchFamily="49" charset="0"/>
               </a:rPr>
-              <a:t>	Y_pred = decision_tree.predict(X_test)</a:t>
-            </a:r>
-          </a:p>
-          <a:p>
-            <a:r>
-              <a:rPr lang="en-US"/>
-              <a:t>To estimate the accuracy of this model, we use these statements:</a:t>
-            </a:r>
-          </a:p>
-          <a:p>
-            <a:pPr marL="36900" indent="0">
-              <a:buNone/>
-            </a:pPr>
-            <a:r>
-              <a:rPr lang="en-US">
+              <a:t> = </a:t>
+            </a:r>
+            <a:r>
+              <a:rPr lang="en-GB" b="1" dirty="0" err="1">
                 <a:latin typeface="Courier New" panose="02070309020205020404" pitchFamily="49" charset="0"/>
                 <a:cs typeface="Courier New" panose="02070309020205020404" pitchFamily="49" charset="0"/>
               </a:rPr>
-              <a:t>	acc_decision_tree = round(decision_tree.score(X_train, Y_train) 		* 100, 2)</a:t>
-            </a:r>
-          </a:p>
-          <a:p>
-            <a:pPr marL="36900" indent="0">
-              <a:buNone/>
-            </a:pPr>
-            <a:r>
-              <a:rPr lang="en-US">
+              <a:t>DecisionTreeClassifier</a:t>
+            </a:r>
+            <a:r>
+              <a:rPr lang="en-GB" b="1" dirty="0">
                 <a:latin typeface="Courier New" panose="02070309020205020404" pitchFamily="49" charset="0"/>
                 <a:cs typeface="Courier New" panose="02070309020205020404" pitchFamily="49" charset="0"/>
               </a:rPr>
-              <a:t>	acc_decision_tree</a:t>
-            </a:r>
-          </a:p>
-          <a:p>
-            <a:r>
-              <a:rPr lang="en-US"/>
+              <a:t>()</a:t>
+            </a:r>
+          </a:p>
+          <a:p>
+            <a:pPr marL="36900" indent="0">
+              <a:buNone/>
+            </a:pPr>
+            <a:r>
+              <a:rPr lang="en-GB" b="1" dirty="0">
+                <a:latin typeface="Courier New" panose="02070309020205020404" pitchFamily="49" charset="0"/>
+                <a:cs typeface="Courier New" panose="02070309020205020404" pitchFamily="49" charset="0"/>
+              </a:rPr>
+              <a:t>	</a:t>
+            </a:r>
+            <a:r>
+              <a:rPr lang="en-GB" b="1" dirty="0" err="1">
+                <a:latin typeface="Courier New" panose="02070309020205020404" pitchFamily="49" charset="0"/>
+                <a:cs typeface="Courier New" panose="02070309020205020404" pitchFamily="49" charset="0"/>
+              </a:rPr>
+              <a:t>decision_tree.fit</a:t>
+            </a:r>
+            <a:r>
+              <a:rPr lang="en-GB" b="1" dirty="0">
+                <a:latin typeface="Courier New" panose="02070309020205020404" pitchFamily="49" charset="0"/>
+                <a:cs typeface="Courier New" panose="02070309020205020404" pitchFamily="49" charset="0"/>
+              </a:rPr>
+              <a:t>(</a:t>
+            </a:r>
+            <a:r>
+              <a:rPr lang="en-GB" b="1" dirty="0" err="1">
+                <a:latin typeface="Courier New" panose="02070309020205020404" pitchFamily="49" charset="0"/>
+                <a:cs typeface="Courier New" panose="02070309020205020404" pitchFamily="49" charset="0"/>
+              </a:rPr>
+              <a:t>X_train</a:t>
+            </a:r>
+            <a:r>
+              <a:rPr lang="en-GB" b="1" dirty="0">
+                <a:latin typeface="Courier New" panose="02070309020205020404" pitchFamily="49" charset="0"/>
+                <a:cs typeface="Courier New" panose="02070309020205020404" pitchFamily="49" charset="0"/>
+              </a:rPr>
+              <a:t>, </a:t>
+            </a:r>
+            <a:r>
+              <a:rPr lang="en-GB" b="1" dirty="0" err="1">
+                <a:latin typeface="Courier New" panose="02070309020205020404" pitchFamily="49" charset="0"/>
+                <a:cs typeface="Courier New" panose="02070309020205020404" pitchFamily="49" charset="0"/>
+              </a:rPr>
+              <a:t>Y_train</a:t>
+            </a:r>
+            <a:r>
+              <a:rPr lang="en-GB" b="1" dirty="0">
+                <a:latin typeface="Courier New" panose="02070309020205020404" pitchFamily="49" charset="0"/>
+                <a:cs typeface="Courier New" panose="02070309020205020404" pitchFamily="49" charset="0"/>
+              </a:rPr>
+              <a:t>)</a:t>
+            </a:r>
+          </a:p>
+          <a:p>
+            <a:pPr marL="36900" indent="0">
+              <a:buNone/>
+            </a:pPr>
+            <a:r>
+              <a:rPr lang="en-GB" b="1" dirty="0">
+                <a:latin typeface="Courier New" panose="02070309020205020404" pitchFamily="49" charset="0"/>
+                <a:cs typeface="Courier New" panose="02070309020205020404" pitchFamily="49" charset="0"/>
+              </a:rPr>
+              <a:t>	</a:t>
+            </a:r>
+            <a:r>
+              <a:rPr lang="en-GB" b="1" dirty="0" err="1">
+                <a:latin typeface="Courier New" panose="02070309020205020404" pitchFamily="49" charset="0"/>
+                <a:cs typeface="Courier New" panose="02070309020205020404" pitchFamily="49" charset="0"/>
+              </a:rPr>
+              <a:t>Y_pred</a:t>
+            </a:r>
+            <a:r>
+              <a:rPr lang="en-GB" b="1" dirty="0">
+                <a:latin typeface="Courier New" panose="02070309020205020404" pitchFamily="49" charset="0"/>
+                <a:cs typeface="Courier New" panose="02070309020205020404" pitchFamily="49" charset="0"/>
+              </a:rPr>
+              <a:t> = </a:t>
+            </a:r>
+            <a:r>
+              <a:rPr lang="en-GB" b="1" dirty="0" err="1">
+                <a:latin typeface="Courier New" panose="02070309020205020404" pitchFamily="49" charset="0"/>
+                <a:cs typeface="Courier New" panose="02070309020205020404" pitchFamily="49" charset="0"/>
+              </a:rPr>
+              <a:t>decision_tree.predict</a:t>
+            </a:r>
+            <a:r>
+              <a:rPr lang="en-GB" b="1" dirty="0">
+                <a:latin typeface="Courier New" panose="02070309020205020404" pitchFamily="49" charset="0"/>
+                <a:cs typeface="Courier New" panose="02070309020205020404" pitchFamily="49" charset="0"/>
+              </a:rPr>
+              <a:t>(</a:t>
+            </a:r>
+            <a:r>
+              <a:rPr lang="en-GB" b="1" dirty="0" err="1">
+                <a:latin typeface="Courier New" panose="02070309020205020404" pitchFamily="49" charset="0"/>
+                <a:cs typeface="Courier New" panose="02070309020205020404" pitchFamily="49" charset="0"/>
+              </a:rPr>
+              <a:t>X_test</a:t>
+            </a:r>
+            <a:r>
+              <a:rPr lang="en-GB" b="1" dirty="0">
+                <a:latin typeface="Courier New" panose="02070309020205020404" pitchFamily="49" charset="0"/>
+                <a:cs typeface="Courier New" panose="02070309020205020404" pitchFamily="49" charset="0"/>
+              </a:rPr>
+              <a:t>)</a:t>
+            </a:r>
+          </a:p>
+          <a:p>
+            <a:r>
+              <a:rPr lang="en-US" dirty="0"/>
+              <a:t>To estimate the accuracy of this model, we use these statements:</a:t>
+            </a:r>
+          </a:p>
+          <a:p>
+            <a:pPr marL="36900" indent="0">
+              <a:buNone/>
+            </a:pPr>
+            <a:r>
+              <a:rPr lang="en-US" b="1" dirty="0">
+                <a:latin typeface="Courier New" panose="02070309020205020404" pitchFamily="49" charset="0"/>
+                <a:cs typeface="Courier New" panose="02070309020205020404" pitchFamily="49" charset="0"/>
+              </a:rPr>
+              <a:t>	</a:t>
+            </a:r>
+            <a:r>
+              <a:rPr lang="en-US" b="1" dirty="0" err="1">
+                <a:latin typeface="Courier New" panose="02070309020205020404" pitchFamily="49" charset="0"/>
+                <a:cs typeface="Courier New" panose="02070309020205020404" pitchFamily="49" charset="0"/>
+              </a:rPr>
+              <a:t>acc_decision_tree</a:t>
+            </a:r>
+            <a:r>
+              <a:rPr lang="en-US" b="1" dirty="0">
+                <a:latin typeface="Courier New" panose="02070309020205020404" pitchFamily="49" charset="0"/>
+                <a:cs typeface="Courier New" panose="02070309020205020404" pitchFamily="49" charset="0"/>
+              </a:rPr>
+              <a:t> = round(</a:t>
+            </a:r>
+            <a:r>
+              <a:rPr lang="en-US" b="1" dirty="0" err="1">
+                <a:latin typeface="Courier New" panose="02070309020205020404" pitchFamily="49" charset="0"/>
+                <a:cs typeface="Courier New" panose="02070309020205020404" pitchFamily="49" charset="0"/>
+              </a:rPr>
+              <a:t>decision_tree.score</a:t>
+            </a:r>
+            <a:r>
+              <a:rPr lang="en-US" b="1" dirty="0">
+                <a:latin typeface="Courier New" panose="02070309020205020404" pitchFamily="49" charset="0"/>
+                <a:cs typeface="Courier New" panose="02070309020205020404" pitchFamily="49" charset="0"/>
+              </a:rPr>
+              <a:t>(</a:t>
+            </a:r>
+            <a:r>
+              <a:rPr lang="en-US" b="1" dirty="0" err="1">
+                <a:latin typeface="Courier New" panose="02070309020205020404" pitchFamily="49" charset="0"/>
+                <a:cs typeface="Courier New" panose="02070309020205020404" pitchFamily="49" charset="0"/>
+              </a:rPr>
+              <a:t>X_train</a:t>
+            </a:r>
+            <a:r>
+              <a:rPr lang="en-US" b="1" dirty="0">
+                <a:latin typeface="Courier New" panose="02070309020205020404" pitchFamily="49" charset="0"/>
+                <a:cs typeface="Courier New" panose="02070309020205020404" pitchFamily="49" charset="0"/>
+              </a:rPr>
+              <a:t>, </a:t>
+            </a:r>
+            <a:r>
+              <a:rPr lang="en-US" b="1" dirty="0" err="1">
+                <a:latin typeface="Courier New" panose="02070309020205020404" pitchFamily="49" charset="0"/>
+                <a:cs typeface="Courier New" panose="02070309020205020404" pitchFamily="49" charset="0"/>
+              </a:rPr>
+              <a:t>Y_train</a:t>
+            </a:r>
+            <a:r>
+              <a:rPr lang="en-US" b="1" dirty="0">
+                <a:latin typeface="Courier New" panose="02070309020205020404" pitchFamily="49" charset="0"/>
+                <a:cs typeface="Courier New" panose="02070309020205020404" pitchFamily="49" charset="0"/>
+              </a:rPr>
+              <a:t>) 		* 100, 2)</a:t>
+            </a:r>
+          </a:p>
+          <a:p>
+            <a:pPr marL="36900" indent="0">
+              <a:buNone/>
+            </a:pPr>
+            <a:r>
+              <a:rPr lang="en-US" b="1" dirty="0">
+                <a:latin typeface="Courier New" panose="02070309020205020404" pitchFamily="49" charset="0"/>
+                <a:cs typeface="Courier New" panose="02070309020205020404" pitchFamily="49" charset="0"/>
+              </a:rPr>
+              <a:t>	</a:t>
+            </a:r>
+            <a:r>
+              <a:rPr lang="en-US" b="1" dirty="0" err="1">
+                <a:latin typeface="Courier New" panose="02070309020205020404" pitchFamily="49" charset="0"/>
+                <a:cs typeface="Courier New" panose="02070309020205020404" pitchFamily="49" charset="0"/>
+              </a:rPr>
+              <a:t>acc_decision_tree</a:t>
+            </a:r>
+            <a:endParaRPr lang="en-US" b="1" dirty="0">
+              <a:latin typeface="Courier New" panose="02070309020205020404" pitchFamily="49" charset="0"/>
+              <a:cs typeface="Courier New" panose="02070309020205020404" pitchFamily="49" charset="0"/>
+            </a:endParaRPr>
+          </a:p>
+          <a:p>
+            <a:r>
+              <a:rPr lang="en-US" dirty="0"/>
               <a:t>The accuracy of the model is 98.2%</a:t>
             </a:r>
-            <a:endParaRPr lang="en-US" dirty="0"/>
           </a:p>
         </p:txBody>
       </p:sp>
@@ -17156,14 +17334,14 @@
               <a:t>	</a:t>
             </a:r>
             <a:r>
-              <a:rPr lang="en-GB" b="0" dirty="0">
+              <a:rPr lang="en-GB" b="1" dirty="0">
                 <a:effectLst/>
                 <a:latin typeface="Courier New" panose="02070309020205020404" pitchFamily="49" charset="0"/>
                 <a:cs typeface="Courier New" panose="02070309020205020404" pitchFamily="49" charset="0"/>
               </a:rPr>
               <a:t>svc = SVC()</a:t>
             </a:r>
-            <a:endParaRPr lang="en-GB" dirty="0">
+            <a:endParaRPr lang="en-GB" b="1" dirty="0">
               <a:latin typeface="Courier New" panose="02070309020205020404" pitchFamily="49" charset="0"/>
               <a:cs typeface="Courier New" panose="02070309020205020404" pitchFamily="49" charset="0"/>
             </a:endParaRPr>
@@ -17173,21 +17351,21 @@
               <a:buNone/>
             </a:pPr>
             <a:r>
-              <a:rPr lang="en-GB" dirty="0">
+              <a:rPr lang="en-GB" b="1" dirty="0">
                 <a:latin typeface="Courier New" panose="02070309020205020404" pitchFamily="49" charset="0"/>
                 <a:cs typeface="Courier New" panose="02070309020205020404" pitchFamily="49" charset="0"/>
               </a:rPr>
               <a:t>	</a:t>
             </a:r>
             <a:r>
-              <a:rPr lang="fr-FR" b="0" dirty="0">
+              <a:rPr lang="fr-FR" b="1" dirty="0">
                 <a:effectLst/>
                 <a:latin typeface="Courier New" panose="02070309020205020404" pitchFamily="49" charset="0"/>
                 <a:cs typeface="Courier New" panose="02070309020205020404" pitchFamily="49" charset="0"/>
               </a:rPr>
               <a:t>svc.fit(X_train, Y_train)</a:t>
             </a:r>
-            <a:endParaRPr lang="en-GB" dirty="0">
+            <a:endParaRPr lang="en-GB" b="1" dirty="0">
               <a:latin typeface="Courier New" panose="02070309020205020404" pitchFamily="49" charset="0"/>
               <a:cs typeface="Courier New" panose="02070309020205020404" pitchFamily="49" charset="0"/>
             </a:endParaRPr>
@@ -17197,14 +17375,14 @@
               <a:buNone/>
             </a:pPr>
             <a:r>
-              <a:rPr lang="en-GB" dirty="0">
+              <a:rPr lang="en-GB" b="1" dirty="0">
                 <a:latin typeface="Courier New" panose="02070309020205020404" pitchFamily="49" charset="0"/>
                 <a:cs typeface="Courier New" panose="02070309020205020404" pitchFamily="49" charset="0"/>
               </a:rPr>
               <a:t>	</a:t>
             </a:r>
             <a:r>
-              <a:rPr lang="en-US" b="0" dirty="0" err="1">
+              <a:rPr lang="en-US" b="1" dirty="0" err="1">
                 <a:effectLst/>
                 <a:latin typeface="Courier New" panose="02070309020205020404" pitchFamily="49" charset="0"/>
                 <a:cs typeface="Courier New" panose="02070309020205020404" pitchFamily="49" charset="0"/>
@@ -17212,7 +17390,7 @@
               <a:t>Y_pred</a:t>
             </a:r>
             <a:r>
-              <a:rPr lang="en-US" b="0" dirty="0">
+              <a:rPr lang="en-US" b="1" dirty="0">
                 <a:effectLst/>
                 <a:latin typeface="Courier New" panose="02070309020205020404" pitchFamily="49" charset="0"/>
                 <a:cs typeface="Courier New" panose="02070309020205020404" pitchFamily="49" charset="0"/>
@@ -17220,7 +17398,7 @@
               <a:t> = </a:t>
             </a:r>
             <a:r>
-              <a:rPr lang="en-US" b="0" dirty="0" err="1">
+              <a:rPr lang="en-US" b="1" dirty="0" err="1">
                 <a:effectLst/>
                 <a:latin typeface="Courier New" panose="02070309020205020404" pitchFamily="49" charset="0"/>
                 <a:cs typeface="Courier New" panose="02070309020205020404" pitchFamily="49" charset="0"/>
@@ -17228,7 +17406,7 @@
               <a:t>svc.predict</a:t>
             </a:r>
             <a:r>
-              <a:rPr lang="en-US" b="0" dirty="0">
+              <a:rPr lang="en-US" b="1" dirty="0">
                 <a:effectLst/>
                 <a:latin typeface="Courier New" panose="02070309020205020404" pitchFamily="49" charset="0"/>
                 <a:cs typeface="Courier New" panose="02070309020205020404" pitchFamily="49" charset="0"/>
@@ -17236,7 +17414,7 @@
               <a:t>(</a:t>
             </a:r>
             <a:r>
-              <a:rPr lang="en-US" b="0" dirty="0" err="1">
+              <a:rPr lang="en-US" b="1" dirty="0" err="1">
                 <a:effectLst/>
                 <a:latin typeface="Courier New" panose="02070309020205020404" pitchFamily="49" charset="0"/>
                 <a:cs typeface="Courier New" panose="02070309020205020404" pitchFamily="49" charset="0"/>
@@ -17244,14 +17422,14 @@
               <a:t>X_test</a:t>
             </a:r>
             <a:r>
-              <a:rPr lang="en-US" b="0" dirty="0">
+              <a:rPr lang="en-US" b="1" dirty="0">
                 <a:effectLst/>
                 <a:latin typeface="Courier New" panose="02070309020205020404" pitchFamily="49" charset="0"/>
                 <a:cs typeface="Courier New" panose="02070309020205020404" pitchFamily="49" charset="0"/>
               </a:rPr>
               <a:t>)</a:t>
             </a:r>
-            <a:endParaRPr lang="en-GB" dirty="0">
+            <a:endParaRPr lang="en-GB" b="1" dirty="0">
               <a:latin typeface="Courier New" panose="02070309020205020404" pitchFamily="49" charset="0"/>
               <a:cs typeface="Courier New" panose="02070309020205020404" pitchFamily="49" charset="0"/>
             </a:endParaRPr>
@@ -17274,56 +17452,56 @@
               <a:t>	</a:t>
             </a:r>
             <a:r>
-              <a:rPr lang="en-US" dirty="0" err="1">
+              <a:rPr lang="en-US" b="1" dirty="0" err="1">
                 <a:latin typeface="Courier New" panose="02070309020205020404" pitchFamily="49" charset="0"/>
                 <a:cs typeface="Courier New" panose="02070309020205020404" pitchFamily="49" charset="0"/>
               </a:rPr>
               <a:t>acc_svc</a:t>
             </a:r>
             <a:r>
-              <a:rPr lang="en-US" dirty="0">
+              <a:rPr lang="en-US" b="1" dirty="0">
                 <a:latin typeface="Courier New" panose="02070309020205020404" pitchFamily="49" charset="0"/>
                 <a:cs typeface="Courier New" panose="02070309020205020404" pitchFamily="49" charset="0"/>
               </a:rPr>
               <a:t> = round(</a:t>
             </a:r>
             <a:r>
-              <a:rPr lang="en-US" dirty="0" err="1">
+              <a:rPr lang="en-US" b="1" dirty="0" err="1">
                 <a:latin typeface="Courier New" panose="02070309020205020404" pitchFamily="49" charset="0"/>
                 <a:cs typeface="Courier New" panose="02070309020205020404" pitchFamily="49" charset="0"/>
               </a:rPr>
               <a:t>svc.score</a:t>
             </a:r>
             <a:r>
-              <a:rPr lang="en-US" dirty="0">
+              <a:rPr lang="en-US" b="1" dirty="0">
                 <a:latin typeface="Courier New" panose="02070309020205020404" pitchFamily="49" charset="0"/>
                 <a:cs typeface="Courier New" panose="02070309020205020404" pitchFamily="49" charset="0"/>
               </a:rPr>
               <a:t>(</a:t>
             </a:r>
             <a:r>
-              <a:rPr lang="en-US" dirty="0" err="1">
+              <a:rPr lang="en-US" b="1" dirty="0" err="1">
                 <a:latin typeface="Courier New" panose="02070309020205020404" pitchFamily="49" charset="0"/>
                 <a:cs typeface="Courier New" panose="02070309020205020404" pitchFamily="49" charset="0"/>
               </a:rPr>
               <a:t>X_train</a:t>
             </a:r>
             <a:r>
-              <a:rPr lang="en-US" dirty="0">
+              <a:rPr lang="en-US" b="1" dirty="0">
                 <a:latin typeface="Courier New" panose="02070309020205020404" pitchFamily="49" charset="0"/>
                 <a:cs typeface="Courier New" panose="02070309020205020404" pitchFamily="49" charset="0"/>
               </a:rPr>
               <a:t>, </a:t>
             </a:r>
             <a:r>
-              <a:rPr lang="en-US" dirty="0" err="1">
+              <a:rPr lang="en-US" b="1" dirty="0" err="1">
                 <a:latin typeface="Courier New" panose="02070309020205020404" pitchFamily="49" charset="0"/>
                 <a:cs typeface="Courier New" panose="02070309020205020404" pitchFamily="49" charset="0"/>
               </a:rPr>
               <a:t>Y_train</a:t>
             </a:r>
             <a:r>
-              <a:rPr lang="en-US" dirty="0">
+              <a:rPr lang="en-US" b="1" dirty="0">
                 <a:latin typeface="Courier New" panose="02070309020205020404" pitchFamily="49" charset="0"/>
                 <a:cs typeface="Courier New" panose="02070309020205020404" pitchFamily="49" charset="0"/>
               </a:rPr>
@@ -17335,20 +17513,20 @@
               <a:buNone/>
             </a:pPr>
             <a:r>
-              <a:rPr lang="en-US" dirty="0">
+              <a:rPr lang="en-US" b="1" dirty="0">
                 <a:latin typeface="Courier New" panose="02070309020205020404" pitchFamily="49" charset="0"/>
                 <a:cs typeface="Courier New" panose="02070309020205020404" pitchFamily="49" charset="0"/>
               </a:rPr>
               <a:t>	</a:t>
             </a:r>
             <a:r>
-              <a:rPr lang="en-US" dirty="0" err="1">
+              <a:rPr lang="en-US" b="1" dirty="0" err="1">
                 <a:latin typeface="Courier New" panose="02070309020205020404" pitchFamily="49" charset="0"/>
                 <a:cs typeface="Courier New" panose="02070309020205020404" pitchFamily="49" charset="0"/>
               </a:rPr>
               <a:t>acc_svc</a:t>
             </a:r>
-            <a:endParaRPr lang="en-US" dirty="0">
+            <a:endParaRPr lang="en-US" b="1" dirty="0">
               <a:latin typeface="Courier New" panose="02070309020205020404" pitchFamily="49" charset="0"/>
               <a:cs typeface="Courier New" panose="02070309020205020404" pitchFamily="49" charset="0"/>
             </a:endParaRPr>
@@ -17473,17 +17651,24 @@
                 <a:latin typeface="Courier New" panose="02070309020205020404" pitchFamily="49" charset="0"/>
                 <a:cs typeface="Courier New" panose="02070309020205020404" pitchFamily="49" charset="0"/>
               </a:rPr>
-              <a:t>	gaussian = </a:t>
-            </a:r>
-            <a:r>
-              <a:rPr lang="en-GB" dirty="0" err="1">
+              <a:t>	</a:t>
+            </a:r>
+            <a:r>
+              <a:rPr lang="en-GB" b="1" dirty="0">
+                <a:latin typeface="Courier New" panose="02070309020205020404" pitchFamily="49" charset="0"/>
+                <a:cs typeface="Courier New" panose="02070309020205020404" pitchFamily="49" charset="0"/>
+              </a:rPr>
+              <a:t>gaussian = </a:t>
+            </a:r>
+            <a:r>
+              <a:rPr lang="en-GB" b="1" dirty="0" err="1">
                 <a:latin typeface="Courier New" panose="02070309020205020404" pitchFamily="49" charset="0"/>
                 <a:cs typeface="Courier New" panose="02070309020205020404" pitchFamily="49" charset="0"/>
               </a:rPr>
               <a:t>GaussianNB</a:t>
             </a:r>
             <a:r>
-              <a:rPr lang="en-GB" dirty="0">
+              <a:rPr lang="en-GB" b="1" dirty="0">
                 <a:latin typeface="Courier New" panose="02070309020205020404" pitchFamily="49" charset="0"/>
                 <a:cs typeface="Courier New" panose="02070309020205020404" pitchFamily="49" charset="0"/>
               </a:rPr>
@@ -17495,49 +17680,49 @@
               <a:buNone/>
             </a:pPr>
             <a:r>
-              <a:rPr lang="en-GB" dirty="0">
+              <a:rPr lang="en-GB" b="1" dirty="0">
                 <a:latin typeface="Courier New" panose="02070309020205020404" pitchFamily="49" charset="0"/>
                 <a:cs typeface="Courier New" panose="02070309020205020404" pitchFamily="49" charset="0"/>
               </a:rPr>
               <a:t>	</a:t>
             </a:r>
             <a:r>
-              <a:rPr lang="en-GB" dirty="0" err="1">
+              <a:rPr lang="en-GB" b="1" dirty="0" err="1">
                 <a:latin typeface="Courier New" panose="02070309020205020404" pitchFamily="49" charset="0"/>
                 <a:cs typeface="Courier New" panose="02070309020205020404" pitchFamily="49" charset="0"/>
               </a:rPr>
               <a:t>gaussian.fit</a:t>
             </a:r>
             <a:r>
-              <a:rPr lang="en-GB" dirty="0">
+              <a:rPr lang="en-GB" b="1" dirty="0">
                 <a:latin typeface="Courier New" panose="02070309020205020404" pitchFamily="49" charset="0"/>
                 <a:cs typeface="Courier New" panose="02070309020205020404" pitchFamily="49" charset="0"/>
               </a:rPr>
               <a:t>(</a:t>
             </a:r>
             <a:r>
-              <a:rPr lang="en-GB" dirty="0" err="1">
+              <a:rPr lang="en-GB" b="1" dirty="0" err="1">
                 <a:latin typeface="Courier New" panose="02070309020205020404" pitchFamily="49" charset="0"/>
                 <a:cs typeface="Courier New" panose="02070309020205020404" pitchFamily="49" charset="0"/>
               </a:rPr>
               <a:t>X_train</a:t>
             </a:r>
             <a:r>
-              <a:rPr lang="en-GB" dirty="0">
+              <a:rPr lang="en-GB" b="1" dirty="0">
                 <a:latin typeface="Courier New" panose="02070309020205020404" pitchFamily="49" charset="0"/>
                 <a:cs typeface="Courier New" panose="02070309020205020404" pitchFamily="49" charset="0"/>
               </a:rPr>
               <a:t>, </a:t>
             </a:r>
             <a:r>
-              <a:rPr lang="en-GB" dirty="0" err="1">
+              <a:rPr lang="en-GB" b="1" dirty="0" err="1">
                 <a:latin typeface="Courier New" panose="02070309020205020404" pitchFamily="49" charset="0"/>
                 <a:cs typeface="Courier New" panose="02070309020205020404" pitchFamily="49" charset="0"/>
               </a:rPr>
               <a:t>Y_train</a:t>
             </a:r>
             <a:r>
-              <a:rPr lang="en-GB" dirty="0">
+              <a:rPr lang="en-GB" b="1" dirty="0">
                 <a:latin typeface="Courier New" panose="02070309020205020404" pitchFamily="49" charset="0"/>
                 <a:cs typeface="Courier New" panose="02070309020205020404" pitchFamily="49" charset="0"/>
               </a:rPr>
@@ -17549,49 +17734,49 @@
               <a:buNone/>
             </a:pPr>
             <a:r>
-              <a:rPr lang="en-GB" dirty="0">
+              <a:rPr lang="en-GB" b="1" dirty="0">
                 <a:latin typeface="Courier New" panose="02070309020205020404" pitchFamily="49" charset="0"/>
                 <a:cs typeface="Courier New" panose="02070309020205020404" pitchFamily="49" charset="0"/>
               </a:rPr>
               <a:t>	</a:t>
             </a:r>
             <a:r>
-              <a:rPr lang="en-GB" dirty="0" err="1">
+              <a:rPr lang="en-GB" b="1" dirty="0" err="1">
                 <a:latin typeface="Courier New" panose="02070309020205020404" pitchFamily="49" charset="0"/>
                 <a:cs typeface="Courier New" panose="02070309020205020404" pitchFamily="49" charset="0"/>
               </a:rPr>
               <a:t>Y_pred</a:t>
             </a:r>
             <a:r>
-              <a:rPr lang="en-GB" dirty="0">
+              <a:rPr lang="en-GB" b="1" dirty="0">
                 <a:latin typeface="Courier New" panose="02070309020205020404" pitchFamily="49" charset="0"/>
                 <a:cs typeface="Courier New" panose="02070309020205020404" pitchFamily="49" charset="0"/>
               </a:rPr>
               <a:t> = </a:t>
             </a:r>
             <a:r>
-              <a:rPr lang="en-GB" dirty="0" err="1">
+              <a:rPr lang="en-GB" b="1" dirty="0" err="1">
                 <a:latin typeface="Courier New" panose="02070309020205020404" pitchFamily="49" charset="0"/>
                 <a:cs typeface="Courier New" panose="02070309020205020404" pitchFamily="49" charset="0"/>
               </a:rPr>
               <a:t>gaussian.predict</a:t>
             </a:r>
             <a:r>
-              <a:rPr lang="en-GB" dirty="0">
+              <a:rPr lang="en-GB" b="1" dirty="0">
                 <a:latin typeface="Courier New" panose="02070309020205020404" pitchFamily="49" charset="0"/>
                 <a:cs typeface="Courier New" panose="02070309020205020404" pitchFamily="49" charset="0"/>
               </a:rPr>
               <a:t>(</a:t>
             </a:r>
             <a:r>
-              <a:rPr lang="en-GB" dirty="0" err="1">
+              <a:rPr lang="en-GB" b="1" dirty="0" err="1">
                 <a:latin typeface="Courier New" panose="02070309020205020404" pitchFamily="49" charset="0"/>
                 <a:cs typeface="Courier New" panose="02070309020205020404" pitchFamily="49" charset="0"/>
               </a:rPr>
               <a:t>X_test</a:t>
             </a:r>
             <a:r>
-              <a:rPr lang="en-GB" dirty="0">
+              <a:rPr lang="en-GB" b="1" dirty="0">
                 <a:latin typeface="Courier New" panose="02070309020205020404" pitchFamily="49" charset="0"/>
                 <a:cs typeface="Courier New" panose="02070309020205020404" pitchFamily="49" charset="0"/>
               </a:rPr>
@@ -17616,7 +17801,7 @@
               <a:t>	</a:t>
             </a:r>
             <a:r>
-              <a:rPr lang="fr-FR" dirty="0">
+              <a:rPr lang="fr-FR" b="1" dirty="0">
                 <a:latin typeface="Courier New" panose="02070309020205020404" pitchFamily="49" charset="0"/>
                 <a:cs typeface="Courier New" panose="02070309020205020404" pitchFamily="49" charset="0"/>
               </a:rPr>
@@ -17628,13 +17813,13 @@
               <a:buNone/>
             </a:pPr>
             <a:r>
-              <a:rPr lang="fr-FR" dirty="0">
+              <a:rPr lang="fr-FR" b="1" dirty="0">
                 <a:latin typeface="Courier New" panose="02070309020205020404" pitchFamily="49" charset="0"/>
                 <a:cs typeface="Courier New" panose="02070309020205020404" pitchFamily="49" charset="0"/>
               </a:rPr>
               <a:t>	acc_gaussian</a:t>
             </a:r>
-            <a:endParaRPr lang="en-US" dirty="0">
+            <a:endParaRPr lang="en-US" b="1" dirty="0">
               <a:latin typeface="Courier New" panose="02070309020205020404" pitchFamily="49" charset="0"/>
               <a:cs typeface="Courier New" panose="02070309020205020404" pitchFamily="49" charset="0"/>
             </a:endParaRPr>
@@ -18526,7 +18711,7 @@
           <a:p>
             <a:r>
               <a:rPr lang="en-US" sz="3200" dirty="0"/>
-              <a:t>For data cleaning, we will follow the following approach:</a:t>
+              <a:t>For the missing data, we will follow the following approach:</a:t>
             </a:r>
           </a:p>
           <a:p>
@@ -18562,7 +18747,7 @@
             <a:pPr lvl="1"/>
             <a:r>
               <a:rPr lang="en-US" sz="2600" dirty="0"/>
-              <a:t>Handle the missing values</a:t>
+              <a:t>Handling missing values</a:t>
             </a:r>
           </a:p>
         </p:txBody>
@@ -18664,7 +18849,7 @@
               <a:buNone/>
             </a:pPr>
             <a:r>
-              <a:rPr lang="en-US" sz="2400" dirty="0">
+              <a:rPr lang="en-US" sz="2400" b="1" dirty="0">
                 <a:latin typeface="Courier New" panose="02070309020205020404" pitchFamily="49" charset="0"/>
                 <a:cs typeface="Courier New" panose="02070309020205020404" pitchFamily="49" charset="0"/>
               </a:rPr>
@@ -18676,35 +18861,35 @@
               <a:buNone/>
             </a:pPr>
             <a:r>
-              <a:rPr lang="en-US" sz="2400" dirty="0">
+              <a:rPr lang="en-US" sz="2400" b="1" dirty="0">
                 <a:latin typeface="Courier New" panose="02070309020205020404" pitchFamily="49" charset="0"/>
                 <a:cs typeface="Courier New" panose="02070309020205020404" pitchFamily="49" charset="0"/>
               </a:rPr>
               <a:t>    </a:t>
             </a:r>
             <a:r>
-              <a:rPr lang="en-US" sz="2400" dirty="0" err="1">
+              <a:rPr lang="en-US" sz="2400" b="1" dirty="0" err="1">
                 <a:latin typeface="Courier New" panose="02070309020205020404" pitchFamily="49" charset="0"/>
                 <a:cs typeface="Courier New" panose="02070309020205020404" pitchFamily="49" charset="0"/>
               </a:rPr>
               <a:t>df_train</a:t>
             </a:r>
             <a:r>
-              <a:rPr lang="en-US" sz="2400" dirty="0">
+              <a:rPr lang="en-US" sz="2400" b="1" dirty="0">
                 <a:latin typeface="Courier New" panose="02070309020205020404" pitchFamily="49" charset="0"/>
                 <a:cs typeface="Courier New" panose="02070309020205020404" pitchFamily="49" charset="0"/>
               </a:rPr>
               <a:t>[</a:t>
             </a:r>
             <a:r>
-              <a:rPr lang="en-US" sz="2400" dirty="0" err="1">
+              <a:rPr lang="en-US" sz="2400" b="1" dirty="0" err="1">
                 <a:latin typeface="Courier New" panose="02070309020205020404" pitchFamily="49" charset="0"/>
                 <a:cs typeface="Courier New" panose="02070309020205020404" pitchFamily="49" charset="0"/>
               </a:rPr>
               <a:t>df_train.duplicated</a:t>
             </a:r>
             <a:r>
-              <a:rPr lang="en-US" sz="2400" dirty="0">
+              <a:rPr lang="en-US" sz="2400" b="1" dirty="0">
                 <a:latin typeface="Courier New" panose="02070309020205020404" pitchFamily="49" charset="0"/>
                 <a:cs typeface="Courier New" panose="02070309020205020404" pitchFamily="49" charset="0"/>
               </a:rPr>
@@ -18716,35 +18901,35 @@
               <a:buNone/>
             </a:pPr>
             <a:r>
-              <a:rPr lang="en-US" sz="2400" dirty="0">
+              <a:rPr lang="en-US" sz="2400" b="1" dirty="0">
                 <a:latin typeface="Courier New" panose="02070309020205020404" pitchFamily="49" charset="0"/>
                 <a:cs typeface="Courier New" panose="02070309020205020404" pitchFamily="49" charset="0"/>
               </a:rPr>
               <a:t>    </a:t>
             </a:r>
             <a:r>
-              <a:rPr lang="en-US" sz="2400" dirty="0" err="1">
+              <a:rPr lang="en-US" sz="2400" b="1" dirty="0" err="1">
                 <a:latin typeface="Courier New" panose="02070309020205020404" pitchFamily="49" charset="0"/>
                 <a:cs typeface="Courier New" panose="02070309020205020404" pitchFamily="49" charset="0"/>
               </a:rPr>
               <a:t>df_test</a:t>
             </a:r>
             <a:r>
-              <a:rPr lang="en-US" sz="2400" dirty="0">
+              <a:rPr lang="en-US" sz="2400" b="1" dirty="0">
                 <a:latin typeface="Courier New" panose="02070309020205020404" pitchFamily="49" charset="0"/>
                 <a:cs typeface="Courier New" panose="02070309020205020404" pitchFamily="49" charset="0"/>
               </a:rPr>
               <a:t>[</a:t>
             </a:r>
             <a:r>
-              <a:rPr lang="en-US" sz="2400" dirty="0" err="1">
+              <a:rPr lang="en-US" sz="2400" b="1" dirty="0" err="1">
                 <a:latin typeface="Courier New" panose="02070309020205020404" pitchFamily="49" charset="0"/>
                 <a:cs typeface="Courier New" panose="02070309020205020404" pitchFamily="49" charset="0"/>
               </a:rPr>
               <a:t>df_train.duplicated</a:t>
             </a:r>
             <a:r>
-              <a:rPr lang="en-US" sz="2400" dirty="0">
+              <a:rPr lang="en-US" sz="2400" b="1" dirty="0">
                 <a:latin typeface="Courier New" panose="02070309020205020404" pitchFamily="49" charset="0"/>
                 <a:cs typeface="Courier New" panose="02070309020205020404" pitchFamily="49" charset="0"/>
               </a:rPr>
@@ -18756,21 +18941,21 @@
               <a:buNone/>
             </a:pPr>
             <a:r>
-              <a:rPr lang="en-US" sz="2400" dirty="0">
+              <a:rPr lang="en-US" sz="2400" b="1" dirty="0">
                 <a:latin typeface="Courier New" panose="02070309020205020404" pitchFamily="49" charset="0"/>
                 <a:cs typeface="Courier New" panose="02070309020205020404" pitchFamily="49" charset="0"/>
               </a:rPr>
               <a:t>    </a:t>
             </a:r>
             <a:r>
-              <a:rPr lang="en-US" sz="2400" dirty="0" err="1">
+              <a:rPr lang="en-US" sz="2400" b="1" dirty="0" err="1">
                 <a:latin typeface="Courier New" panose="02070309020205020404" pitchFamily="49" charset="0"/>
                 <a:cs typeface="Courier New" panose="02070309020205020404" pitchFamily="49" charset="0"/>
               </a:rPr>
               <a:t>sep</a:t>
             </a:r>
             <a:r>
-              <a:rPr lang="en-US" sz="2400" dirty="0">
+              <a:rPr lang="en-US" sz="2400" b="1" dirty="0">
                 <a:latin typeface="Courier New" panose="02070309020205020404" pitchFamily="49" charset="0"/>
                 <a:cs typeface="Courier New" panose="02070309020205020404" pitchFamily="49" charset="0"/>
               </a:rPr>
@@ -18782,13 +18967,13 @@
               <a:buNone/>
             </a:pPr>
             <a:r>
-              <a:rPr lang="en-US" sz="2400" dirty="0">
+              <a:rPr lang="en-US" sz="2400" b="1" dirty="0">
                 <a:latin typeface="Courier New" panose="02070309020205020404" pitchFamily="49" charset="0"/>
                 <a:cs typeface="Courier New" panose="02070309020205020404" pitchFamily="49" charset="0"/>
               </a:rPr>
               <a:t>)</a:t>
             </a:r>
-            <a:endParaRPr lang="en-US" sz="3200" dirty="0">
+            <a:endParaRPr lang="en-US" sz="3200" b="1" dirty="0">
               <a:latin typeface="Courier New" panose="02070309020205020404" pitchFamily="49" charset="0"/>
               <a:cs typeface="Courier New" panose="02070309020205020404" pitchFamily="49" charset="0"/>
             </a:endParaRPr>
@@ -18804,7 +18989,7 @@
               <a:buNone/>
             </a:pPr>
             <a:r>
-              <a:rPr lang="en-US" sz="3000" dirty="0">
+              <a:rPr lang="en-US" sz="3000" b="1" dirty="0">
                 <a:latin typeface="Courier New" panose="02070309020205020404" pitchFamily="49" charset="0"/>
                 <a:cs typeface="Courier New" panose="02070309020205020404" pitchFamily="49" charset="0"/>
               </a:rPr>
@@ -18956,13 +19141,13 @@
               <a:buNone/>
             </a:pPr>
             <a:r>
-              <a:rPr lang="en-US" sz="2200" dirty="0">
+              <a:rPr lang="en-US" sz="2200" b="1" dirty="0">
                 <a:latin typeface="Courier New" panose="02070309020205020404" pitchFamily="49" charset="0"/>
                 <a:cs typeface="Courier New" panose="02070309020205020404" pitchFamily="49" charset="0"/>
               </a:rPr>
               <a:t>df_train.info()</a:t>
             </a:r>
-            <a:endParaRPr lang="en-US" sz="2200" dirty="0"/>
+            <a:endParaRPr lang="en-US" sz="2200" b="1" dirty="0"/>
           </a:p>
           <a:p>
             <a:pPr>

--- a/projects-for-the-practical-exam/titanic/presentation.pptx
+++ b/projects-for-the-practical-exam/titanic/presentation.pptx
@@ -12865,7 +12865,7 @@
           </a:effectLst>
           <a:extLst>
             <a:ext uri="{91240B29-F687-4f45-9708-019B960494DF}">
-              <a14:hiddenLine xmlns="" xmlns:a16="http://schemas.microsoft.com/office/drawing/2014/main" xmlns:p14="http://schemas.microsoft.com/office/powerpoint/2010/main" xmlns:a14="http://schemas.microsoft.com/office/drawing/2010/main" w="9525">
+              <a14:hiddenLine xmlns:a14="http://schemas.microsoft.com/office/drawing/2010/main" xmlns:p14="http://schemas.microsoft.com/office/powerpoint/2010/main" xmlns:a16="http://schemas.microsoft.com/office/drawing/2014/main" xmlns="" w="9525">
                 <a:solidFill>
                   <a:srgbClr val="000000"/>
                 </a:solidFill>
@@ -16815,57 +16815,6 @@
               </a:rPr>
               <a:t>()</a:t>
             </a:r>
-          </a:p>
-          <a:p>
-            <a:pPr marL="36900" indent="0">
-              <a:buNone/>
-            </a:pPr>
-            <a:r>
-              <a:rPr lang="en-GB" b="1" dirty="0">
-                <a:latin typeface="Courier New" panose="02070309020205020404" pitchFamily="49" charset="0"/>
-                <a:cs typeface="Courier New" panose="02070309020205020404" pitchFamily="49" charset="0"/>
-              </a:rPr>
-              <a:t>	</a:t>
-            </a:r>
-            <a:r>
-              <a:rPr lang="en-GB" b="1" dirty="0" err="1">
-                <a:latin typeface="Courier New" panose="02070309020205020404" pitchFamily="49" charset="0"/>
-                <a:cs typeface="Courier New" panose="02070309020205020404" pitchFamily="49" charset="0"/>
-              </a:rPr>
-              <a:t>X_train.shape</a:t>
-            </a:r>
-            <a:r>
-              <a:rPr lang="en-GB" b="1" dirty="0">
-                <a:latin typeface="Courier New" panose="02070309020205020404" pitchFamily="49" charset="0"/>
-                <a:cs typeface="Courier New" panose="02070309020205020404" pitchFamily="49" charset="0"/>
-              </a:rPr>
-              <a:t>, </a:t>
-            </a:r>
-            <a:r>
-              <a:rPr lang="en-GB" b="1" dirty="0" err="1">
-                <a:latin typeface="Courier New" panose="02070309020205020404" pitchFamily="49" charset="0"/>
-                <a:cs typeface="Courier New" panose="02070309020205020404" pitchFamily="49" charset="0"/>
-              </a:rPr>
-              <a:t>Y_train.shape</a:t>
-            </a:r>
-            <a:r>
-              <a:rPr lang="en-GB" b="1" dirty="0">
-                <a:latin typeface="Courier New" panose="02070309020205020404" pitchFamily="49" charset="0"/>
-                <a:cs typeface="Courier New" panose="02070309020205020404" pitchFamily="49" charset="0"/>
-              </a:rPr>
-              <a:t>, </a:t>
-            </a:r>
-            <a:r>
-              <a:rPr lang="en-GB" b="1" dirty="0" err="1">
-                <a:latin typeface="Courier New" panose="02070309020205020404" pitchFamily="49" charset="0"/>
-                <a:cs typeface="Courier New" panose="02070309020205020404" pitchFamily="49" charset="0"/>
-              </a:rPr>
-              <a:t>X_test.shape</a:t>
-            </a:r>
-            <a:endParaRPr lang="en-GB" b="1" dirty="0">
-              <a:latin typeface="Courier New" panose="02070309020205020404" pitchFamily="49" charset="0"/>
-              <a:cs typeface="Courier New" panose="02070309020205020404" pitchFamily="49" charset="0"/>
-            </a:endParaRPr>
           </a:p>
         </p:txBody>
       </p:sp>
